--- a/Docs/cloud-native_frontend.pptx
+++ b/Docs/cloud-native_frontend.pptx
@@ -201,7 +201,7 @@
           <a:p>
             <a:fld id="{44D345AE-D906-47C8-A3F7-9D14E37AEC91}" type="datetimeFigureOut">
               <a:rPr lang="en-US" smtClean="0"/>
-              <a:t>5/24/2024</a:t>
+              <a:t>5/26/2024</a:t>
             </a:fld>
             <a:endParaRPr lang="en-US"/>
           </a:p>
@@ -615,7 +615,7 @@
           <a:p>
             <a:fld id="{6D69873F-ED25-46C5-A2FA-94818A0671AA}" type="datetimeFigureOut">
               <a:rPr lang="en-US" smtClean="0"/>
-              <a:t>5/24/2024</a:t>
+              <a:t>5/26/2024</a:t>
             </a:fld>
             <a:endParaRPr lang="en-US"/>
           </a:p>
@@ -813,7 +813,7 @@
           <a:p>
             <a:fld id="{6D69873F-ED25-46C5-A2FA-94818A0671AA}" type="datetimeFigureOut">
               <a:rPr lang="en-US" smtClean="0"/>
-              <a:t>5/24/2024</a:t>
+              <a:t>5/26/2024</a:t>
             </a:fld>
             <a:endParaRPr lang="en-US"/>
           </a:p>
@@ -1021,7 +1021,7 @@
           <a:p>
             <a:fld id="{6D69873F-ED25-46C5-A2FA-94818A0671AA}" type="datetimeFigureOut">
               <a:rPr lang="en-US" smtClean="0"/>
-              <a:t>5/24/2024</a:t>
+              <a:t>5/26/2024</a:t>
             </a:fld>
             <a:endParaRPr lang="en-US"/>
           </a:p>
@@ -1219,7 +1219,7 @@
           <a:p>
             <a:fld id="{6D69873F-ED25-46C5-A2FA-94818A0671AA}" type="datetimeFigureOut">
               <a:rPr lang="en-US" smtClean="0"/>
-              <a:t>5/24/2024</a:t>
+              <a:t>5/26/2024</a:t>
             </a:fld>
             <a:endParaRPr lang="en-US"/>
           </a:p>
@@ -1494,7 +1494,7 @@
           <a:p>
             <a:fld id="{6D69873F-ED25-46C5-A2FA-94818A0671AA}" type="datetimeFigureOut">
               <a:rPr lang="en-US" smtClean="0"/>
-              <a:t>5/24/2024</a:t>
+              <a:t>5/26/2024</a:t>
             </a:fld>
             <a:endParaRPr lang="en-US"/>
           </a:p>
@@ -1759,7 +1759,7 @@
           <a:p>
             <a:fld id="{6D69873F-ED25-46C5-A2FA-94818A0671AA}" type="datetimeFigureOut">
               <a:rPr lang="en-US" smtClean="0"/>
-              <a:t>5/24/2024</a:t>
+              <a:t>5/26/2024</a:t>
             </a:fld>
             <a:endParaRPr lang="en-US"/>
           </a:p>
@@ -2171,7 +2171,7 @@
           <a:p>
             <a:fld id="{6D69873F-ED25-46C5-A2FA-94818A0671AA}" type="datetimeFigureOut">
               <a:rPr lang="en-US" smtClean="0"/>
-              <a:t>5/24/2024</a:t>
+              <a:t>5/26/2024</a:t>
             </a:fld>
             <a:endParaRPr lang="en-US"/>
           </a:p>
@@ -2312,7 +2312,7 @@
           <a:p>
             <a:fld id="{6D69873F-ED25-46C5-A2FA-94818A0671AA}" type="datetimeFigureOut">
               <a:rPr lang="en-US" smtClean="0"/>
-              <a:t>5/24/2024</a:t>
+              <a:t>5/26/2024</a:t>
             </a:fld>
             <a:endParaRPr lang="en-US"/>
           </a:p>
@@ -2425,7 +2425,7 @@
           <a:p>
             <a:fld id="{6D69873F-ED25-46C5-A2FA-94818A0671AA}" type="datetimeFigureOut">
               <a:rPr lang="en-US" smtClean="0"/>
-              <a:t>5/24/2024</a:t>
+              <a:t>5/26/2024</a:t>
             </a:fld>
             <a:endParaRPr lang="en-US"/>
           </a:p>
@@ -2736,7 +2736,7 @@
           <a:p>
             <a:fld id="{6D69873F-ED25-46C5-A2FA-94818A0671AA}" type="datetimeFigureOut">
               <a:rPr lang="en-US" smtClean="0"/>
-              <a:t>5/24/2024</a:t>
+              <a:t>5/26/2024</a:t>
             </a:fld>
             <a:endParaRPr lang="en-US"/>
           </a:p>
@@ -3024,7 +3024,7 @@
           <a:p>
             <a:fld id="{6D69873F-ED25-46C5-A2FA-94818A0671AA}" type="datetimeFigureOut">
               <a:rPr lang="en-US" smtClean="0"/>
-              <a:t>5/24/2024</a:t>
+              <a:t>5/26/2024</a:t>
             </a:fld>
             <a:endParaRPr lang="en-US"/>
           </a:p>
@@ -3265,7 +3265,7 @@
           <a:p>
             <a:fld id="{6D69873F-ED25-46C5-A2FA-94818A0671AA}" type="datetimeFigureOut">
               <a:rPr lang="en-US" smtClean="0"/>
-              <a:t>5/24/2024</a:t>
+              <a:t>5/26/2024</a:t>
             </a:fld>
             <a:endParaRPr lang="en-US"/>
           </a:p>
@@ -4544,7 +4544,7 @@
             <a:pPr algn="ctr"/>
             <a:r>
               <a:rPr lang="en-US" altLang="zh-CN" dirty="0"/>
-              <a:t>Order Record</a:t>
+              <a:t>Order</a:t>
             </a:r>
           </a:p>
           <a:p>
@@ -4654,7 +4654,7 @@
             <a:pPr algn="ctr"/>
             <a:r>
               <a:rPr lang="en-US" altLang="zh-CN" dirty="0"/>
-              <a:t>Rating System</a:t>
+              <a:t>Review</a:t>
             </a:r>
           </a:p>
           <a:p>
@@ -4764,7 +4764,7 @@
             <a:pPr algn="ctr"/>
             <a:r>
               <a:rPr lang="en-US" altLang="zh-CN" dirty="0"/>
-              <a:t>Order</a:t>
+              <a:t>Order Cart</a:t>
             </a:r>
           </a:p>
           <a:p>
@@ -4873,7 +4873,7 @@
             <a:pPr algn="ctr"/>
             <a:r>
               <a:rPr lang="en-US" dirty="0"/>
-              <a:t>Rating  </a:t>
+              <a:t>Review Record  </a:t>
             </a:r>
           </a:p>
           <a:p>
